--- a/miscellaneous/pre_github/ppts/20200624_syncell_mtg.pptx
+++ b/miscellaneous/pre_github/ppts/20200624_syncell_mtg.pptx
@@ -12412,7 +12412,7 @@
           <a:p>
             <a:fld id="{627051C2-6849-C64A-A2A5-BAF380D08103}" type="datetimeFigureOut">
               <a:rPr lang="en-US" smtClean="0"/>
-              <a:t>6/24/20</a:t>
+              <a:t>7/2/20</a:t>
             </a:fld>
             <a:endParaRPr lang="en-US"/>
           </a:p>
@@ -14668,7 +14668,7 @@
           <a:p>
             <a:fld id="{3B3400CD-7287-EA41-97B8-6C373A830532}" type="datetimeFigureOut">
               <a:rPr lang="en-US" smtClean="0"/>
-              <a:t>6/24/20</a:t>
+              <a:t>7/2/20</a:t>
             </a:fld>
             <a:endParaRPr lang="en-US"/>
           </a:p>
@@ -14866,7 +14866,7 @@
           <a:p>
             <a:fld id="{3B3400CD-7287-EA41-97B8-6C373A830532}" type="datetimeFigureOut">
               <a:rPr lang="en-US" smtClean="0"/>
-              <a:t>6/24/20</a:t>
+              <a:t>7/2/20</a:t>
             </a:fld>
             <a:endParaRPr lang="en-US"/>
           </a:p>
@@ -15074,7 +15074,7 @@
           <a:p>
             <a:fld id="{3B3400CD-7287-EA41-97B8-6C373A830532}" type="datetimeFigureOut">
               <a:rPr lang="en-US" smtClean="0"/>
-              <a:t>6/24/20</a:t>
+              <a:t>7/2/20</a:t>
             </a:fld>
             <a:endParaRPr lang="en-US"/>
           </a:p>
@@ -15274,7 +15274,7 @@
           <a:p>
             <a:fld id="{3B3400CD-7287-EA41-97B8-6C373A830532}" type="datetimeFigureOut">
               <a:rPr lang="en-US" smtClean="0"/>
-              <a:t>6/24/20</a:t>
+              <a:t>7/2/20</a:t>
             </a:fld>
             <a:endParaRPr lang="en-US"/>
           </a:p>
@@ -15549,7 +15549,7 @@
           <a:p>
             <a:fld id="{3B3400CD-7287-EA41-97B8-6C373A830532}" type="datetimeFigureOut">
               <a:rPr lang="en-US" smtClean="0"/>
-              <a:t>6/24/20</a:t>
+              <a:t>7/2/20</a:t>
             </a:fld>
             <a:endParaRPr lang="en-US"/>
           </a:p>
@@ -15814,7 +15814,7 @@
           <a:p>
             <a:fld id="{3B3400CD-7287-EA41-97B8-6C373A830532}" type="datetimeFigureOut">
               <a:rPr lang="en-US" smtClean="0"/>
-              <a:t>6/24/20</a:t>
+              <a:t>7/2/20</a:t>
             </a:fld>
             <a:endParaRPr lang="en-US"/>
           </a:p>
@@ -16226,7 +16226,7 @@
           <a:p>
             <a:fld id="{3B3400CD-7287-EA41-97B8-6C373A830532}" type="datetimeFigureOut">
               <a:rPr lang="en-US" smtClean="0"/>
-              <a:t>6/24/20</a:t>
+              <a:t>7/2/20</a:t>
             </a:fld>
             <a:endParaRPr lang="en-US"/>
           </a:p>
@@ -16367,7 +16367,7 @@
           <a:p>
             <a:fld id="{3B3400CD-7287-EA41-97B8-6C373A830532}" type="datetimeFigureOut">
               <a:rPr lang="en-US" smtClean="0"/>
-              <a:t>6/24/20</a:t>
+              <a:t>7/2/20</a:t>
             </a:fld>
             <a:endParaRPr lang="en-US"/>
           </a:p>
@@ -16480,7 +16480,7 @@
           <a:p>
             <a:fld id="{3B3400CD-7287-EA41-97B8-6C373A830532}" type="datetimeFigureOut">
               <a:rPr lang="en-US" smtClean="0"/>
-              <a:t>6/24/20</a:t>
+              <a:t>7/2/20</a:t>
             </a:fld>
             <a:endParaRPr lang="en-US"/>
           </a:p>
@@ -16791,7 +16791,7 @@
           <a:p>
             <a:fld id="{3B3400CD-7287-EA41-97B8-6C373A830532}" type="datetimeFigureOut">
               <a:rPr lang="en-US" smtClean="0"/>
-              <a:t>6/24/20</a:t>
+              <a:t>7/2/20</a:t>
             </a:fld>
             <a:endParaRPr lang="en-US"/>
           </a:p>
@@ -17082,7 +17082,7 @@
           <a:p>
             <a:fld id="{3B3400CD-7287-EA41-97B8-6C373A830532}" type="datetimeFigureOut">
               <a:rPr lang="en-US" smtClean="0"/>
-              <a:t>6/24/20</a:t>
+              <a:t>7/2/20</a:t>
             </a:fld>
             <a:endParaRPr lang="en-US"/>
           </a:p>
@@ -17325,7 +17325,7 @@
           <a:p>
             <a:fld id="{3B3400CD-7287-EA41-97B8-6C373A830532}" type="datetimeFigureOut">
               <a:rPr lang="en-US" smtClean="0"/>
-              <a:t>6/24/20</a:t>
+              <a:t>7/2/20</a:t>
             </a:fld>
             <a:endParaRPr lang="en-US"/>
           </a:p>
@@ -28349,614 +28349,635 @@
           </a:p>
         </p:txBody>
       </p:sp>
-      <p:sp>
-        <p:nvSpPr>
-          <p:cNvPr id="3" name="TextBox 2">
+      <p:grpSp>
+        <p:nvGrpSpPr>
+          <p:cNvPr id="5" name="Group 4">
             <a:extLst>
               <a:ext uri="{FF2B5EF4-FFF2-40B4-BE49-F238E27FC236}">
-                <a16:creationId xmlns:a16="http://schemas.microsoft.com/office/drawing/2014/main" id="{9CCCAFE5-3589-3047-8B92-E7E1A0BE4938}"/>
+                <a16:creationId xmlns:a16="http://schemas.microsoft.com/office/drawing/2014/main" id="{84AB6041-5A83-7E4F-B51B-37A0770B8A3E}"/>
               </a:ext>
             </a:extLst>
           </p:cNvPr>
-          <p:cNvSpPr txBox="1"/>
+          <p:cNvGrpSpPr/>
           <p:nvPr/>
-        </p:nvSpPr>
-        <p:spPr>
+        </p:nvGrpSpPr>
+        <p:grpSpPr>
           <a:xfrm>
-            <a:off x="1993392" y="1715836"/>
-            <a:ext cx="3310128" cy="923330"/>
+            <a:off x="964695" y="1704155"/>
+            <a:ext cx="9233913" cy="3984835"/>
+            <a:chOff x="964695" y="1704155"/>
+            <a:chExt cx="9233913" cy="3984835"/>
           </a:xfrm>
-          <a:prstGeom prst="rect">
-            <a:avLst/>
-          </a:prstGeom>
-          <a:noFill/>
-          <a:ln>
-            <a:solidFill>
+        </p:grpSpPr>
+        <p:sp>
+          <p:nvSpPr>
+            <p:cNvPr id="3" name="TextBox 2">
+              <a:extLst>
+                <a:ext uri="{FF2B5EF4-FFF2-40B4-BE49-F238E27FC236}">
+                  <a16:creationId xmlns:a16="http://schemas.microsoft.com/office/drawing/2014/main" id="{9CCCAFE5-3589-3047-8B92-E7E1A0BE4938}"/>
+                </a:ext>
+              </a:extLst>
+            </p:cNvPr>
+            <p:cNvSpPr txBox="1"/>
+            <p:nvPr/>
+          </p:nvSpPr>
+          <p:spPr>
+            <a:xfrm>
+              <a:off x="1993392" y="1715836"/>
+              <a:ext cx="3310128" cy="923330"/>
+            </a:xfrm>
+            <a:prstGeom prst="rect">
+              <a:avLst/>
+            </a:prstGeom>
+            <a:noFill/>
+            <a:ln>
+              <a:solidFill>
+                <a:schemeClr val="tx1"/>
+              </a:solidFill>
+            </a:ln>
+          </p:spPr>
+          <p:txBody>
+            <a:bodyPr wrap="square" rtlCol="0">
+              <a:spAutoFit/>
+            </a:bodyPr>
+            <a:lstStyle/>
+            <a:p>
+              <a:pPr algn="ctr"/>
+              <a:r>
+                <a:rPr lang="en-US" b="1" dirty="0">
+                  <a:latin typeface="Avenir Book" panose="02000503020000020003" pitchFamily="2" charset="0"/>
+                </a:rPr>
+                <a:t>Full Model</a:t>
+              </a:r>
+            </a:p>
+            <a:p>
+              <a:pPr algn="ctr"/>
+              <a:r>
+                <a:rPr lang="en-US" dirty="0">
+                  <a:latin typeface="Avenir Book" panose="02000503020000020003" pitchFamily="2" charset="0"/>
+                </a:rPr>
+                <a:t>CRN Mass action</a:t>
+              </a:r>
+            </a:p>
+            <a:p>
+              <a:pPr algn="ctr"/>
+              <a:r>
+                <a:rPr lang="en-US" dirty="0">
+                  <a:latin typeface="Avenir Book" panose="02000503020000020003" pitchFamily="2" charset="0"/>
+                </a:rPr>
+                <a:t>(k</a:t>
+              </a:r>
+              <a:r>
+                <a:rPr lang="en-US" baseline="-25000" dirty="0">
+                  <a:latin typeface="Avenir Book" panose="02000503020000020003" pitchFamily="2" charset="0"/>
+                </a:rPr>
+                <a:t>bf1</a:t>
+              </a:r>
+              <a:r>
+                <a:rPr lang="en-US" dirty="0">
+                  <a:latin typeface="Avenir Book" panose="02000503020000020003" pitchFamily="2" charset="0"/>
+                </a:rPr>
+                <a:t>, k</a:t>
+              </a:r>
+              <a:r>
+                <a:rPr lang="en-US" baseline="-25000" dirty="0">
+                  <a:latin typeface="Avenir Book" panose="02000503020000020003" pitchFamily="2" charset="0"/>
+                </a:rPr>
+                <a:t>br1</a:t>
+              </a:r>
+              <a:r>
+                <a:rPr lang="en-US" dirty="0">
+                  <a:latin typeface="Avenir Book" panose="02000503020000020003" pitchFamily="2" charset="0"/>
+                </a:rPr>
+                <a:t>, k</a:t>
+              </a:r>
+              <a:r>
+                <a:rPr lang="en-US" baseline="-25000" dirty="0">
+                  <a:latin typeface="Avenir Book" panose="02000503020000020003" pitchFamily="2" charset="0"/>
+                </a:rPr>
+                <a:t>uf1</a:t>
+              </a:r>
+              <a:r>
+                <a:rPr lang="en-US" dirty="0">
+                  <a:latin typeface="Avenir Book" panose="02000503020000020003" pitchFamily="2" charset="0"/>
+                </a:rPr>
+                <a:t>, k</a:t>
+              </a:r>
+              <a:r>
+                <a:rPr lang="en-US" baseline="-25000" dirty="0">
+                  <a:latin typeface="Avenir Book" panose="02000503020000020003" pitchFamily="2" charset="0"/>
+                </a:rPr>
+                <a:t>ur1</a:t>
+              </a:r>
+              <a:r>
+                <a:rPr lang="en-US" dirty="0">
+                  <a:latin typeface="Avenir Book" panose="02000503020000020003" pitchFamily="2" charset="0"/>
+                </a:rPr>
+                <a:t>,k</a:t>
+              </a:r>
+              <a:r>
+                <a:rPr lang="en-US" baseline="-25000" dirty="0">
+                  <a:latin typeface="Avenir Book" panose="02000503020000020003" pitchFamily="2" charset="0"/>
+                </a:rPr>
+                <a:t>cat1</a:t>
+              </a:r>
+              <a:r>
+                <a:rPr lang="en-US" dirty="0">
+                  <a:latin typeface="Avenir Book" panose="02000503020000020003" pitchFamily="2" charset="0"/>
+                </a:rPr>
+                <a:t>,k</a:t>
+              </a:r>
+              <a:r>
+                <a:rPr lang="en-US" baseline="-25000" dirty="0">
+                  <a:latin typeface="Avenir Book" panose="02000503020000020003" pitchFamily="2" charset="0"/>
+                </a:rPr>
+                <a:t>bf2</a:t>
+              </a:r>
+              <a:r>
+                <a:rPr lang="en-US" dirty="0">
+                  <a:latin typeface="Avenir Book" panose="02000503020000020003" pitchFamily="2" charset="0"/>
+                </a:rPr>
+                <a:t>,…)</a:t>
+              </a:r>
+            </a:p>
+          </p:txBody>
+        </p:sp>
+        <p:sp>
+          <p:nvSpPr>
+            <p:cNvPr id="4" name="TextBox 3">
+              <a:extLst>
+                <a:ext uri="{FF2B5EF4-FFF2-40B4-BE49-F238E27FC236}">
+                  <a16:creationId xmlns:a16="http://schemas.microsoft.com/office/drawing/2014/main" id="{FB952FBC-6CD0-BA4D-940C-0FEB363ED5C5}"/>
+                </a:ext>
+              </a:extLst>
+            </p:cNvPr>
+            <p:cNvSpPr txBox="1"/>
+            <p:nvPr/>
+          </p:nvSpPr>
+          <p:spPr>
+            <a:xfrm>
+              <a:off x="2542032" y="4611772"/>
+              <a:ext cx="2212848" cy="646331"/>
+            </a:xfrm>
+            <a:prstGeom prst="rect">
+              <a:avLst/>
+            </a:prstGeom>
+            <a:noFill/>
+            <a:ln>
+              <a:solidFill>
+                <a:schemeClr val="tx1"/>
+              </a:solidFill>
+            </a:ln>
+          </p:spPr>
+          <p:txBody>
+            <a:bodyPr wrap="square" rtlCol="0">
+              <a:spAutoFit/>
+            </a:bodyPr>
+            <a:lstStyle/>
+            <a:p>
+              <a:pPr algn="ctr"/>
+              <a:r>
+                <a:rPr lang="en-US" b="1" dirty="0">
+                  <a:latin typeface="Avenir Book" panose="02000503020000020003" pitchFamily="2" charset="0"/>
+                </a:rPr>
+                <a:t>Reduced Model</a:t>
+              </a:r>
+            </a:p>
+            <a:p>
+              <a:pPr algn="ctr"/>
+              <a:r>
+                <a:rPr lang="en-US" dirty="0">
+                  <a:latin typeface="Avenir Book" panose="02000503020000020003" pitchFamily="2" charset="0"/>
+                </a:rPr>
+                <a:t>(k</a:t>
+              </a:r>
+              <a:r>
+                <a:rPr lang="en-US" baseline="-25000" dirty="0">
+                  <a:latin typeface="Avenir Book" panose="02000503020000020003" pitchFamily="2" charset="0"/>
+                </a:rPr>
+                <a:t>1</a:t>
+              </a:r>
+              <a:r>
+                <a:rPr lang="en-US" dirty="0">
+                  <a:latin typeface="Avenir Book" panose="02000503020000020003" pitchFamily="2" charset="0"/>
+                </a:rPr>
+                <a:t>, k</a:t>
+              </a:r>
+              <a:r>
+                <a:rPr lang="en-US" baseline="-25000" dirty="0">
+                  <a:latin typeface="Avenir Book" panose="02000503020000020003" pitchFamily="2" charset="0"/>
+                </a:rPr>
+                <a:t>2</a:t>
+              </a:r>
+              <a:r>
+                <a:rPr lang="en-US" dirty="0">
+                  <a:latin typeface="Avenir Book" panose="02000503020000020003" pitchFamily="2" charset="0"/>
+                </a:rPr>
+                <a:t>,…)</a:t>
+              </a:r>
+            </a:p>
+          </p:txBody>
+        </p:sp>
+        <p:sp>
+          <p:nvSpPr>
+            <p:cNvPr id="11" name="TextBox 10">
+              <a:extLst>
+                <a:ext uri="{FF2B5EF4-FFF2-40B4-BE49-F238E27FC236}">
+                  <a16:creationId xmlns:a16="http://schemas.microsoft.com/office/drawing/2014/main" id="{B291079D-A860-FD49-A7D7-BDA7EDEDFD4A}"/>
+                </a:ext>
+              </a:extLst>
+            </p:cNvPr>
+            <p:cNvSpPr txBox="1"/>
+            <p:nvPr/>
+          </p:nvSpPr>
+          <p:spPr>
+            <a:xfrm>
+              <a:off x="964695" y="2823832"/>
+              <a:ext cx="2683761" cy="1477328"/>
+            </a:xfrm>
+            <a:prstGeom prst="rect">
+              <a:avLst/>
+            </a:prstGeom>
+            <a:noFill/>
+            <a:ln>
+              <a:noFill/>
+            </a:ln>
+          </p:spPr>
+          <p:txBody>
+            <a:bodyPr wrap="square" rtlCol="0">
+              <a:spAutoFit/>
+            </a:bodyPr>
+            <a:lstStyle/>
+            <a:p>
+              <a:r>
+                <a:rPr lang="en-US" dirty="0">
+                  <a:latin typeface="Avenir Book" panose="02000503020000020003" pitchFamily="2" charset="0"/>
+                </a:rPr>
+                <a:t>Include assumptions</a:t>
+              </a:r>
+            </a:p>
+            <a:p>
+              <a:pPr marL="285750" indent="-285750">
+                <a:buFontTx/>
+                <a:buChar char="-"/>
+              </a:pPr>
+              <a:r>
+                <a:rPr lang="en-US" dirty="0">
+                  <a:latin typeface="Avenir Book" panose="02000503020000020003" pitchFamily="2" charset="0"/>
+                </a:rPr>
+                <a:t>Conservation laws</a:t>
+              </a:r>
+            </a:p>
+            <a:p>
+              <a:pPr marL="285750" indent="-285750">
+                <a:buFontTx/>
+                <a:buChar char="-"/>
+              </a:pPr>
+              <a:r>
+                <a:rPr lang="en-US" dirty="0">
+                  <a:latin typeface="Avenir Book" panose="02000503020000020003" pitchFamily="2" charset="0"/>
+                </a:rPr>
+                <a:t>QSSA</a:t>
+              </a:r>
+            </a:p>
+            <a:p>
+              <a:pPr marL="285750" indent="-285750">
+                <a:buFontTx/>
+                <a:buChar char="-"/>
+              </a:pPr>
+              <a:r>
+                <a:rPr lang="en-US" dirty="0">
+                  <a:latin typeface="Avenir Book" panose="02000503020000020003" pitchFamily="2" charset="0"/>
+                </a:rPr>
+                <a:t>Generalize binding/unbinding</a:t>
+              </a:r>
+            </a:p>
+          </p:txBody>
+        </p:sp>
+        <p:sp>
+          <p:nvSpPr>
+            <p:cNvPr id="12" name="TextBox 11">
+              <a:extLst>
+                <a:ext uri="{FF2B5EF4-FFF2-40B4-BE49-F238E27FC236}">
+                  <a16:creationId xmlns:a16="http://schemas.microsoft.com/office/drawing/2014/main" id="{3B3B0A0A-5FE9-A845-B19F-F1DD17F7C7FF}"/>
+                </a:ext>
+              </a:extLst>
+            </p:cNvPr>
+            <p:cNvSpPr txBox="1"/>
+            <p:nvPr/>
+          </p:nvSpPr>
+          <p:spPr>
+            <a:xfrm>
+              <a:off x="2121408" y="5381213"/>
+              <a:ext cx="3054095" cy="307777"/>
+            </a:xfrm>
+            <a:prstGeom prst="rect">
+              <a:avLst/>
+            </a:prstGeom>
+            <a:noFill/>
+            <a:ln>
+              <a:noFill/>
+            </a:ln>
+          </p:spPr>
+          <p:txBody>
+            <a:bodyPr wrap="square" rtlCol="0">
+              <a:spAutoFit/>
+            </a:bodyPr>
+            <a:lstStyle/>
+            <a:p>
+              <a:r>
+                <a:rPr lang="en-US" sz="1400" dirty="0">
+                  <a:latin typeface="Avenir Book" panose="02000503020000020003" pitchFamily="2" charset="0"/>
+                </a:rPr>
+                <a:t>More relevant to experimental data</a:t>
+              </a:r>
+            </a:p>
+          </p:txBody>
+        </p:sp>
+        <p:sp>
+          <p:nvSpPr>
+            <p:cNvPr id="14" name="TextBox 13">
+              <a:extLst>
+                <a:ext uri="{FF2B5EF4-FFF2-40B4-BE49-F238E27FC236}">
+                  <a16:creationId xmlns:a16="http://schemas.microsoft.com/office/drawing/2014/main" id="{972718FC-7491-6B42-8359-814A9E1EAA27}"/>
+                </a:ext>
+              </a:extLst>
+            </p:cNvPr>
+            <p:cNvSpPr txBox="1"/>
+            <p:nvPr/>
+          </p:nvSpPr>
+          <p:spPr>
+            <a:xfrm>
+              <a:off x="6888480" y="1704155"/>
+              <a:ext cx="3310128" cy="923330"/>
+            </a:xfrm>
+            <a:prstGeom prst="rect">
+              <a:avLst/>
+            </a:prstGeom>
+            <a:noFill/>
+            <a:ln>
+              <a:solidFill>
+                <a:schemeClr val="tx1"/>
+              </a:solidFill>
+            </a:ln>
+          </p:spPr>
+          <p:txBody>
+            <a:bodyPr wrap="square" rtlCol="0">
+              <a:spAutoFit/>
+            </a:bodyPr>
+            <a:lstStyle/>
+            <a:p>
+              <a:pPr algn="ctr"/>
+              <a:r>
+                <a:rPr lang="en-US" b="1" dirty="0">
+                  <a:latin typeface="Avenir Book" panose="02000503020000020003" pitchFamily="2" charset="0"/>
+                </a:rPr>
+                <a:t>Minimal Model</a:t>
+              </a:r>
+            </a:p>
+            <a:p>
+              <a:pPr algn="ctr"/>
+              <a:r>
+                <a:rPr lang="en-US" dirty="0">
+                  <a:latin typeface="Avenir Book" panose="02000503020000020003" pitchFamily="2" charset="0"/>
+                </a:rPr>
+                <a:t>Coarse-grained</a:t>
+              </a:r>
+            </a:p>
+            <a:p>
+              <a:pPr algn="ctr"/>
+              <a:r>
+                <a:rPr lang="en-US" dirty="0">
+                  <a:latin typeface="Avenir Book" panose="02000503020000020003" pitchFamily="2" charset="0"/>
+                </a:rPr>
+                <a:t>(k</a:t>
+              </a:r>
+              <a:r>
+                <a:rPr lang="en-US" baseline="-25000" dirty="0">
+                  <a:latin typeface="Avenir Book" panose="02000503020000020003" pitchFamily="2" charset="0"/>
+                </a:rPr>
+                <a:t>1</a:t>
+              </a:r>
+              <a:r>
+                <a:rPr lang="en-US" dirty="0">
+                  <a:latin typeface="Avenir Book" panose="02000503020000020003" pitchFamily="2" charset="0"/>
+                </a:rPr>
+                <a:t>, k</a:t>
+              </a:r>
+              <a:r>
+                <a:rPr lang="en-US" baseline="-25000" dirty="0">
+                  <a:latin typeface="Avenir Book" panose="02000503020000020003" pitchFamily="2" charset="0"/>
+                </a:rPr>
+                <a:t>2 </a:t>
+              </a:r>
+              <a:r>
+                <a:rPr lang="en-US" dirty="0">
+                  <a:latin typeface="Avenir Book" panose="02000503020000020003" pitchFamily="2" charset="0"/>
+                </a:rPr>
+                <a:t> = k)</a:t>
+              </a:r>
+            </a:p>
+          </p:txBody>
+        </p:sp>
+        <p:cxnSp>
+          <p:nvCxnSpPr>
+            <p:cNvPr id="19" name="Straight Arrow Connector 18">
+              <a:extLst>
+                <a:ext uri="{FF2B5EF4-FFF2-40B4-BE49-F238E27FC236}">
+                  <a16:creationId xmlns:a16="http://schemas.microsoft.com/office/drawing/2014/main" id="{379A824F-9BCA-BE40-AF9C-5BB07667CCCF}"/>
+                </a:ext>
+              </a:extLst>
+            </p:cNvPr>
+            <p:cNvCxnSpPr>
+              <a:cxnSpLocks/>
+              <a:stCxn id="3" idx="2"/>
+              <a:endCxn id="4" idx="0"/>
+            </p:cNvCxnSpPr>
+            <p:nvPr/>
+          </p:nvCxnSpPr>
+          <p:spPr>
+            <a:xfrm>
+              <a:off x="3648456" y="2639166"/>
+              <a:ext cx="0" cy="1972606"/>
+            </a:xfrm>
+            <a:prstGeom prst="straightConnector1">
+              <a:avLst/>
+            </a:prstGeom>
+            <a:ln>
+              <a:headEnd type="triangle"/>
+              <a:tailEnd type="triangle"/>
+            </a:ln>
+          </p:spPr>
+          <p:style>
+            <a:lnRef idx="1">
+              <a:schemeClr val="dk1"/>
+            </a:lnRef>
+            <a:fillRef idx="0">
+              <a:schemeClr val="dk1"/>
+            </a:fillRef>
+            <a:effectRef idx="0">
+              <a:schemeClr val="dk1"/>
+            </a:effectRef>
+            <a:fontRef idx="minor">
               <a:schemeClr val="tx1"/>
-            </a:solidFill>
-          </a:ln>
-        </p:spPr>
-        <p:txBody>
-          <a:bodyPr wrap="square" rtlCol="0">
-            <a:spAutoFit/>
-          </a:bodyPr>
-          <a:lstStyle/>
-          <a:p>
-            <a:pPr algn="ctr"/>
-            <a:r>
-              <a:rPr lang="en-US" b="1" dirty="0">
+            </a:fontRef>
+          </p:style>
+        </p:cxnSp>
+        <p:cxnSp>
+          <p:nvCxnSpPr>
+            <p:cNvPr id="21" name="Straight Arrow Connector 20">
+              <a:extLst>
+                <a:ext uri="{FF2B5EF4-FFF2-40B4-BE49-F238E27FC236}">
+                  <a16:creationId xmlns:a16="http://schemas.microsoft.com/office/drawing/2014/main" id="{52337DA7-2024-5748-98D6-84351A2A99B0}"/>
+                </a:ext>
+              </a:extLst>
+            </p:cNvPr>
+            <p:cNvCxnSpPr>
+              <a:cxnSpLocks/>
+              <a:stCxn id="14" idx="1"/>
+              <a:endCxn id="4" idx="3"/>
+            </p:cNvCxnSpPr>
+            <p:nvPr/>
+          </p:nvCxnSpPr>
+          <p:spPr>
+            <a:xfrm flipH="1">
+              <a:off x="4754880" y="2165820"/>
+              <a:ext cx="2133600" cy="2769118"/>
+            </a:xfrm>
+            <a:prstGeom prst="straightConnector1">
+              <a:avLst/>
+            </a:prstGeom>
+            <a:ln>
+              <a:headEnd type="triangle"/>
+              <a:tailEnd type="triangle"/>
+            </a:ln>
+          </p:spPr>
+          <p:style>
+            <a:lnRef idx="1">
+              <a:schemeClr val="dk1"/>
+            </a:lnRef>
+            <a:fillRef idx="0">
+              <a:schemeClr val="dk1"/>
+            </a:fillRef>
+            <a:effectRef idx="0">
+              <a:schemeClr val="dk1"/>
+            </a:effectRef>
+            <a:fontRef idx="minor">
+              <a:schemeClr val="tx1"/>
+            </a:fontRef>
+          </p:style>
+        </p:cxnSp>
+        <p:cxnSp>
+          <p:nvCxnSpPr>
+            <p:cNvPr id="24" name="Straight Arrow Connector 23">
+              <a:extLst>
+                <a:ext uri="{FF2B5EF4-FFF2-40B4-BE49-F238E27FC236}">
+                  <a16:creationId xmlns:a16="http://schemas.microsoft.com/office/drawing/2014/main" id="{7EF635F8-2B6A-6440-9146-9259CC55D6FC}"/>
+                </a:ext>
+              </a:extLst>
+            </p:cNvPr>
+            <p:cNvCxnSpPr>
+              <a:cxnSpLocks/>
+              <a:stCxn id="14" idx="1"/>
+              <a:endCxn id="3" idx="3"/>
+            </p:cNvCxnSpPr>
+            <p:nvPr/>
+          </p:nvCxnSpPr>
+          <p:spPr>
+            <a:xfrm flipH="1">
+              <a:off x="5303520" y="2165820"/>
+              <a:ext cx="1584960" cy="11681"/>
+            </a:xfrm>
+            <a:prstGeom prst="straightConnector1">
+              <a:avLst/>
+            </a:prstGeom>
+            <a:ln>
+              <a:headEnd type="triangle"/>
+              <a:tailEnd type="triangle"/>
+            </a:ln>
+          </p:spPr>
+          <p:style>
+            <a:lnRef idx="1">
+              <a:schemeClr val="dk1"/>
+            </a:lnRef>
+            <a:fillRef idx="0">
+              <a:schemeClr val="dk1"/>
+            </a:fillRef>
+            <a:effectRef idx="0">
+              <a:schemeClr val="dk1"/>
+            </a:effectRef>
+            <a:fontRef idx="minor">
+              <a:schemeClr val="tx1"/>
+            </a:fontRef>
+          </p:style>
+        </p:cxnSp>
+        <p:sp>
+          <p:nvSpPr>
+            <p:cNvPr id="27" name="TextBox 26">
+              <a:extLst>
+                <a:ext uri="{FF2B5EF4-FFF2-40B4-BE49-F238E27FC236}">
+                  <a16:creationId xmlns:a16="http://schemas.microsoft.com/office/drawing/2014/main" id="{CEF7DB30-561B-F044-9662-E6F8A55EAD0E}"/>
+                </a:ext>
+              </a:extLst>
+            </p:cNvPr>
+            <p:cNvSpPr txBox="1"/>
+            <p:nvPr/>
+          </p:nvSpPr>
+          <p:spPr>
+            <a:xfrm>
+              <a:off x="7016496" y="2669943"/>
+              <a:ext cx="3054095" cy="1384995"/>
+            </a:xfrm>
+            <a:prstGeom prst="rect">
+              <a:avLst/>
+            </a:prstGeom>
+            <a:noFill/>
+            <a:ln>
+              <a:noFill/>
+            </a:ln>
+          </p:spPr>
+          <p:txBody>
+            <a:bodyPr wrap="square" rtlCol="0">
+              <a:spAutoFit/>
+            </a:bodyPr>
+            <a:lstStyle/>
+            <a:p>
+              <a:r>
+                <a:rPr lang="en-US" sz="1400" dirty="0">
+                  <a:latin typeface="Avenir Book" panose="02000503020000020003" pitchFamily="2" charset="0"/>
+                </a:rPr>
+                <a:t>Lumped parameters</a:t>
+              </a:r>
+            </a:p>
+            <a:p>
+              <a:endParaRPr lang="en-US" sz="1400" dirty="0">
                 <a:latin typeface="Avenir Book" panose="02000503020000020003" pitchFamily="2" charset="0"/>
-              </a:rPr>
-              <a:t>Full Model</a:t>
-            </a:r>
-          </a:p>
-          <a:p>
-            <a:pPr algn="ctr"/>
-            <a:r>
-              <a:rPr lang="en-US" dirty="0">
+              </a:endParaRPr>
+            </a:p>
+            <a:p>
+              <a:r>
+                <a:rPr lang="en-US" sz="1400" dirty="0">
+                  <a:latin typeface="Avenir Book" panose="02000503020000020003" pitchFamily="2" charset="0"/>
+                </a:rPr>
+                <a:t>Extracted from experimental data</a:t>
+              </a:r>
+            </a:p>
+            <a:p>
+              <a:endParaRPr lang="en-US" sz="1400" dirty="0">
                 <a:latin typeface="Avenir Book" panose="02000503020000020003" pitchFamily="2" charset="0"/>
-              </a:rPr>
-              <a:t>CRN Mass action</a:t>
-            </a:r>
-          </a:p>
-          <a:p>
-            <a:pPr algn="ctr"/>
-            <a:r>
-              <a:rPr lang="en-US" dirty="0">
-                <a:latin typeface="Avenir Book" panose="02000503020000020003" pitchFamily="2" charset="0"/>
-              </a:rPr>
-              <a:t>(k</a:t>
-            </a:r>
-            <a:r>
-              <a:rPr lang="en-US" baseline="-25000" dirty="0">
-                <a:latin typeface="Avenir Book" panose="02000503020000020003" pitchFamily="2" charset="0"/>
-              </a:rPr>
-              <a:t>bf1</a:t>
-            </a:r>
-            <a:r>
-              <a:rPr lang="en-US" dirty="0">
-                <a:latin typeface="Avenir Book" panose="02000503020000020003" pitchFamily="2" charset="0"/>
-              </a:rPr>
-              <a:t>, k</a:t>
-            </a:r>
-            <a:r>
-              <a:rPr lang="en-US" baseline="-25000" dirty="0">
-                <a:latin typeface="Avenir Book" panose="02000503020000020003" pitchFamily="2" charset="0"/>
-              </a:rPr>
-              <a:t>br1</a:t>
-            </a:r>
-            <a:r>
-              <a:rPr lang="en-US" dirty="0">
-                <a:latin typeface="Avenir Book" panose="02000503020000020003" pitchFamily="2" charset="0"/>
-              </a:rPr>
-              <a:t>, k</a:t>
-            </a:r>
-            <a:r>
-              <a:rPr lang="en-US" baseline="-25000" dirty="0">
-                <a:latin typeface="Avenir Book" panose="02000503020000020003" pitchFamily="2" charset="0"/>
-              </a:rPr>
-              <a:t>uf1</a:t>
-            </a:r>
-            <a:r>
-              <a:rPr lang="en-US" dirty="0">
-                <a:latin typeface="Avenir Book" panose="02000503020000020003" pitchFamily="2" charset="0"/>
-              </a:rPr>
-              <a:t>, k</a:t>
-            </a:r>
-            <a:r>
-              <a:rPr lang="en-US" baseline="-25000" dirty="0">
-                <a:latin typeface="Avenir Book" panose="02000503020000020003" pitchFamily="2" charset="0"/>
-              </a:rPr>
-              <a:t>ur1</a:t>
-            </a:r>
-            <a:r>
-              <a:rPr lang="en-US" dirty="0">
-                <a:latin typeface="Avenir Book" panose="02000503020000020003" pitchFamily="2" charset="0"/>
-              </a:rPr>
-              <a:t>,k</a:t>
-            </a:r>
-            <a:r>
-              <a:rPr lang="en-US" baseline="-25000" dirty="0">
-                <a:latin typeface="Avenir Book" panose="02000503020000020003" pitchFamily="2" charset="0"/>
-              </a:rPr>
-              <a:t>cat1</a:t>
-            </a:r>
-            <a:r>
-              <a:rPr lang="en-US" dirty="0">
-                <a:latin typeface="Avenir Book" panose="02000503020000020003" pitchFamily="2" charset="0"/>
-              </a:rPr>
-              <a:t>,k</a:t>
-            </a:r>
-            <a:r>
-              <a:rPr lang="en-US" baseline="-25000" dirty="0">
-                <a:latin typeface="Avenir Book" panose="02000503020000020003" pitchFamily="2" charset="0"/>
-              </a:rPr>
-              <a:t>bf2</a:t>
-            </a:r>
-            <a:r>
-              <a:rPr lang="en-US" dirty="0">
-                <a:latin typeface="Avenir Book" panose="02000503020000020003" pitchFamily="2" charset="0"/>
-              </a:rPr>
-              <a:t>,…)</a:t>
-            </a:r>
-          </a:p>
-        </p:txBody>
-      </p:sp>
-      <p:sp>
-        <p:nvSpPr>
-          <p:cNvPr id="4" name="TextBox 3">
-            <a:extLst>
-              <a:ext uri="{FF2B5EF4-FFF2-40B4-BE49-F238E27FC236}">
-                <a16:creationId xmlns:a16="http://schemas.microsoft.com/office/drawing/2014/main" id="{FB952FBC-6CD0-BA4D-940C-0FEB363ED5C5}"/>
-              </a:ext>
-            </a:extLst>
-          </p:cNvPr>
-          <p:cNvSpPr txBox="1"/>
-          <p:nvPr/>
-        </p:nvSpPr>
-        <p:spPr>
-          <a:xfrm>
-            <a:off x="2542032" y="4611772"/>
-            <a:ext cx="2212848" cy="646331"/>
-          </a:xfrm>
-          <a:prstGeom prst="rect">
-            <a:avLst/>
-          </a:prstGeom>
-          <a:noFill/>
-          <a:ln>
-            <a:solidFill>
-              <a:schemeClr val="tx1"/>
-            </a:solidFill>
-          </a:ln>
-        </p:spPr>
-        <p:txBody>
-          <a:bodyPr wrap="square" rtlCol="0">
-            <a:spAutoFit/>
-          </a:bodyPr>
-          <a:lstStyle/>
-          <a:p>
-            <a:pPr algn="ctr"/>
-            <a:r>
-              <a:rPr lang="en-US" b="1" dirty="0">
-                <a:latin typeface="Avenir Book" panose="02000503020000020003" pitchFamily="2" charset="0"/>
-              </a:rPr>
-              <a:t>Reduced Model</a:t>
-            </a:r>
-          </a:p>
-          <a:p>
-            <a:pPr algn="ctr"/>
-            <a:r>
-              <a:rPr lang="en-US" dirty="0">
-                <a:latin typeface="Avenir Book" panose="02000503020000020003" pitchFamily="2" charset="0"/>
-              </a:rPr>
-              <a:t>(k</a:t>
-            </a:r>
-            <a:r>
-              <a:rPr lang="en-US" baseline="-25000" dirty="0">
-                <a:latin typeface="Avenir Book" panose="02000503020000020003" pitchFamily="2" charset="0"/>
-              </a:rPr>
-              <a:t>1</a:t>
-            </a:r>
-            <a:r>
-              <a:rPr lang="en-US" dirty="0">
-                <a:latin typeface="Avenir Book" panose="02000503020000020003" pitchFamily="2" charset="0"/>
-              </a:rPr>
-              <a:t>, k</a:t>
-            </a:r>
-            <a:r>
-              <a:rPr lang="en-US" baseline="-25000" dirty="0">
-                <a:latin typeface="Avenir Book" panose="02000503020000020003" pitchFamily="2" charset="0"/>
-              </a:rPr>
-              <a:t>2</a:t>
-            </a:r>
-            <a:r>
-              <a:rPr lang="en-US" dirty="0">
-                <a:latin typeface="Avenir Book" panose="02000503020000020003" pitchFamily="2" charset="0"/>
-              </a:rPr>
-              <a:t>,…)</a:t>
-            </a:r>
-          </a:p>
-        </p:txBody>
-      </p:sp>
-      <p:sp>
-        <p:nvSpPr>
-          <p:cNvPr id="11" name="TextBox 10">
-            <a:extLst>
-              <a:ext uri="{FF2B5EF4-FFF2-40B4-BE49-F238E27FC236}">
-                <a16:creationId xmlns:a16="http://schemas.microsoft.com/office/drawing/2014/main" id="{B291079D-A860-FD49-A7D7-BDA7EDEDFD4A}"/>
-              </a:ext>
-            </a:extLst>
-          </p:cNvPr>
-          <p:cNvSpPr txBox="1"/>
-          <p:nvPr/>
-        </p:nvSpPr>
-        <p:spPr>
-          <a:xfrm>
-            <a:off x="964695" y="2823832"/>
-            <a:ext cx="2683761" cy="1477328"/>
-          </a:xfrm>
-          <a:prstGeom prst="rect">
-            <a:avLst/>
-          </a:prstGeom>
-          <a:noFill/>
-          <a:ln>
-            <a:noFill/>
-          </a:ln>
-        </p:spPr>
-        <p:txBody>
-          <a:bodyPr wrap="square" rtlCol="0">
-            <a:spAutoFit/>
-          </a:bodyPr>
-          <a:lstStyle/>
-          <a:p>
-            <a:r>
-              <a:rPr lang="en-US" dirty="0">
-                <a:latin typeface="Avenir Book" panose="02000503020000020003" pitchFamily="2" charset="0"/>
-              </a:rPr>
-              <a:t>Include assumptions</a:t>
-            </a:r>
-          </a:p>
-          <a:p>
-            <a:pPr marL="285750" indent="-285750">
-              <a:buFontTx/>
-              <a:buChar char="-"/>
-            </a:pPr>
-            <a:r>
-              <a:rPr lang="en-US" dirty="0">
-                <a:latin typeface="Avenir Book" panose="02000503020000020003" pitchFamily="2" charset="0"/>
-              </a:rPr>
-              <a:t>Conservation laws</a:t>
-            </a:r>
-          </a:p>
-          <a:p>
-            <a:pPr marL="285750" indent="-285750">
-              <a:buFontTx/>
-              <a:buChar char="-"/>
-            </a:pPr>
-            <a:r>
-              <a:rPr lang="en-US" dirty="0">
-                <a:latin typeface="Avenir Book" panose="02000503020000020003" pitchFamily="2" charset="0"/>
-              </a:rPr>
-              <a:t>QSSA</a:t>
-            </a:r>
-          </a:p>
-          <a:p>
-            <a:pPr marL="285750" indent="-285750">
-              <a:buFontTx/>
-              <a:buChar char="-"/>
-            </a:pPr>
-            <a:r>
-              <a:rPr lang="en-US" dirty="0">
-                <a:latin typeface="Avenir Book" panose="02000503020000020003" pitchFamily="2" charset="0"/>
-              </a:rPr>
-              <a:t>Generalize binding/unbinding</a:t>
-            </a:r>
-          </a:p>
-        </p:txBody>
-      </p:sp>
-      <p:sp>
-        <p:nvSpPr>
-          <p:cNvPr id="12" name="TextBox 11">
-            <a:extLst>
-              <a:ext uri="{FF2B5EF4-FFF2-40B4-BE49-F238E27FC236}">
-                <a16:creationId xmlns:a16="http://schemas.microsoft.com/office/drawing/2014/main" id="{3B3B0A0A-5FE9-A845-B19F-F1DD17F7C7FF}"/>
-              </a:ext>
-            </a:extLst>
-          </p:cNvPr>
-          <p:cNvSpPr txBox="1"/>
-          <p:nvPr/>
-        </p:nvSpPr>
-        <p:spPr>
-          <a:xfrm>
-            <a:off x="2121408" y="5381213"/>
-            <a:ext cx="3054095" cy="307777"/>
-          </a:xfrm>
-          <a:prstGeom prst="rect">
-            <a:avLst/>
-          </a:prstGeom>
-          <a:noFill/>
-          <a:ln>
-            <a:noFill/>
-          </a:ln>
-        </p:spPr>
-        <p:txBody>
-          <a:bodyPr wrap="square" rtlCol="0">
-            <a:spAutoFit/>
-          </a:bodyPr>
-          <a:lstStyle/>
-          <a:p>
-            <a:r>
-              <a:rPr lang="en-US" sz="1400" dirty="0">
-                <a:latin typeface="Avenir Book" panose="02000503020000020003" pitchFamily="2" charset="0"/>
-              </a:rPr>
-              <a:t>More relevant to experimental data</a:t>
-            </a:r>
-          </a:p>
-        </p:txBody>
-      </p:sp>
-      <p:sp>
-        <p:nvSpPr>
-          <p:cNvPr id="14" name="TextBox 13">
-            <a:extLst>
-              <a:ext uri="{FF2B5EF4-FFF2-40B4-BE49-F238E27FC236}">
-                <a16:creationId xmlns:a16="http://schemas.microsoft.com/office/drawing/2014/main" id="{972718FC-7491-6B42-8359-814A9E1EAA27}"/>
-              </a:ext>
-            </a:extLst>
-          </p:cNvPr>
-          <p:cNvSpPr txBox="1"/>
-          <p:nvPr/>
-        </p:nvSpPr>
-        <p:spPr>
-          <a:xfrm>
-            <a:off x="6888480" y="1704155"/>
-            <a:ext cx="3310128" cy="923330"/>
-          </a:xfrm>
-          <a:prstGeom prst="rect">
-            <a:avLst/>
-          </a:prstGeom>
-          <a:noFill/>
-          <a:ln>
-            <a:solidFill>
-              <a:schemeClr val="tx1"/>
-            </a:solidFill>
-          </a:ln>
-        </p:spPr>
-        <p:txBody>
-          <a:bodyPr wrap="square" rtlCol="0">
-            <a:spAutoFit/>
-          </a:bodyPr>
-          <a:lstStyle/>
-          <a:p>
-            <a:pPr algn="ctr"/>
-            <a:r>
-              <a:rPr lang="en-US" b="1" dirty="0">
-                <a:latin typeface="Avenir Book" panose="02000503020000020003" pitchFamily="2" charset="0"/>
-              </a:rPr>
-              <a:t>Minimal Model</a:t>
-            </a:r>
-          </a:p>
-          <a:p>
-            <a:pPr algn="ctr"/>
-            <a:r>
-              <a:rPr lang="en-US" dirty="0">
-                <a:latin typeface="Avenir Book" panose="02000503020000020003" pitchFamily="2" charset="0"/>
-              </a:rPr>
-              <a:t>Coarse-grained</a:t>
-            </a:r>
-          </a:p>
-          <a:p>
-            <a:pPr algn="ctr"/>
-            <a:r>
-              <a:rPr lang="en-US" dirty="0">
-                <a:latin typeface="Avenir Book" panose="02000503020000020003" pitchFamily="2" charset="0"/>
-              </a:rPr>
-              <a:t>(k</a:t>
-            </a:r>
-            <a:r>
-              <a:rPr lang="en-US" baseline="-25000" dirty="0">
-                <a:latin typeface="Avenir Book" panose="02000503020000020003" pitchFamily="2" charset="0"/>
-              </a:rPr>
-              <a:t>1</a:t>
-            </a:r>
-            <a:r>
-              <a:rPr lang="en-US" dirty="0">
-                <a:latin typeface="Avenir Book" panose="02000503020000020003" pitchFamily="2" charset="0"/>
-              </a:rPr>
-              <a:t>, k</a:t>
-            </a:r>
-            <a:r>
-              <a:rPr lang="en-US" baseline="-25000" dirty="0">
-                <a:latin typeface="Avenir Book" panose="02000503020000020003" pitchFamily="2" charset="0"/>
-              </a:rPr>
-              <a:t>2 </a:t>
-            </a:r>
-            <a:r>
-              <a:rPr lang="en-US" dirty="0">
-                <a:latin typeface="Avenir Book" panose="02000503020000020003" pitchFamily="2" charset="0"/>
-              </a:rPr>
-              <a:t> = k)</a:t>
-            </a:r>
-          </a:p>
-        </p:txBody>
-      </p:sp>
-      <p:cxnSp>
-        <p:nvCxnSpPr>
-          <p:cNvPr id="19" name="Straight Arrow Connector 18">
-            <a:extLst>
-              <a:ext uri="{FF2B5EF4-FFF2-40B4-BE49-F238E27FC236}">
-                <a16:creationId xmlns:a16="http://schemas.microsoft.com/office/drawing/2014/main" id="{379A824F-9BCA-BE40-AF9C-5BB07667CCCF}"/>
-              </a:ext>
-            </a:extLst>
-          </p:cNvPr>
-          <p:cNvCxnSpPr>
-            <a:cxnSpLocks/>
-            <a:stCxn id="3" idx="2"/>
-            <a:endCxn id="4" idx="0"/>
-          </p:cNvCxnSpPr>
-          <p:nvPr/>
-        </p:nvCxnSpPr>
-        <p:spPr>
-          <a:xfrm>
-            <a:off x="3648456" y="2639166"/>
-            <a:ext cx="0" cy="1972606"/>
-          </a:xfrm>
-          <a:prstGeom prst="straightConnector1">
-            <a:avLst/>
-          </a:prstGeom>
-          <a:ln>
-            <a:headEnd type="triangle"/>
-            <a:tailEnd type="triangle"/>
-          </a:ln>
-        </p:spPr>
-        <p:style>
-          <a:lnRef idx="1">
-            <a:schemeClr val="dk1"/>
-          </a:lnRef>
-          <a:fillRef idx="0">
-            <a:schemeClr val="dk1"/>
-          </a:fillRef>
-          <a:effectRef idx="0">
-            <a:schemeClr val="dk1"/>
-          </a:effectRef>
-          <a:fontRef idx="minor">
-            <a:schemeClr val="tx1"/>
-          </a:fontRef>
-        </p:style>
-      </p:cxnSp>
-      <p:cxnSp>
-        <p:nvCxnSpPr>
-          <p:cNvPr id="21" name="Straight Arrow Connector 20">
-            <a:extLst>
-              <a:ext uri="{FF2B5EF4-FFF2-40B4-BE49-F238E27FC236}">
-                <a16:creationId xmlns:a16="http://schemas.microsoft.com/office/drawing/2014/main" id="{52337DA7-2024-5748-98D6-84351A2A99B0}"/>
-              </a:ext>
-            </a:extLst>
-          </p:cNvPr>
-          <p:cNvCxnSpPr>
-            <a:cxnSpLocks/>
-            <a:stCxn id="14" idx="1"/>
-            <a:endCxn id="4" idx="3"/>
-          </p:cNvCxnSpPr>
-          <p:nvPr/>
-        </p:nvCxnSpPr>
-        <p:spPr>
-          <a:xfrm flipH="1">
-            <a:off x="4754880" y="2165820"/>
-            <a:ext cx="2133600" cy="2769118"/>
-          </a:xfrm>
-          <a:prstGeom prst="straightConnector1">
-            <a:avLst/>
-          </a:prstGeom>
-          <a:ln>
-            <a:headEnd type="triangle"/>
-            <a:tailEnd type="triangle"/>
-          </a:ln>
-        </p:spPr>
-        <p:style>
-          <a:lnRef idx="1">
-            <a:schemeClr val="dk1"/>
-          </a:lnRef>
-          <a:fillRef idx="0">
-            <a:schemeClr val="dk1"/>
-          </a:fillRef>
-          <a:effectRef idx="0">
-            <a:schemeClr val="dk1"/>
-          </a:effectRef>
-          <a:fontRef idx="minor">
-            <a:schemeClr val="tx1"/>
-          </a:fontRef>
-        </p:style>
-      </p:cxnSp>
-      <p:cxnSp>
-        <p:nvCxnSpPr>
-          <p:cNvPr id="24" name="Straight Arrow Connector 23">
-            <a:extLst>
-              <a:ext uri="{FF2B5EF4-FFF2-40B4-BE49-F238E27FC236}">
-                <a16:creationId xmlns:a16="http://schemas.microsoft.com/office/drawing/2014/main" id="{7EF635F8-2B6A-6440-9146-9259CC55D6FC}"/>
-              </a:ext>
-            </a:extLst>
-          </p:cNvPr>
-          <p:cNvCxnSpPr>
-            <a:cxnSpLocks/>
-            <a:stCxn id="14" idx="1"/>
-            <a:endCxn id="3" idx="3"/>
-          </p:cNvCxnSpPr>
-          <p:nvPr/>
-        </p:nvCxnSpPr>
-        <p:spPr>
-          <a:xfrm flipH="1">
-            <a:off x="5303520" y="2165820"/>
-            <a:ext cx="1584960" cy="11681"/>
-          </a:xfrm>
-          <a:prstGeom prst="straightConnector1">
-            <a:avLst/>
-          </a:prstGeom>
-          <a:ln>
-            <a:headEnd type="triangle"/>
-            <a:tailEnd type="triangle"/>
-          </a:ln>
-        </p:spPr>
-        <p:style>
-          <a:lnRef idx="1">
-            <a:schemeClr val="dk1"/>
-          </a:lnRef>
-          <a:fillRef idx="0">
-            <a:schemeClr val="dk1"/>
-          </a:fillRef>
-          <a:effectRef idx="0">
-            <a:schemeClr val="dk1"/>
-          </a:effectRef>
-          <a:fontRef idx="minor">
-            <a:schemeClr val="tx1"/>
-          </a:fontRef>
-        </p:style>
-      </p:cxnSp>
-      <p:sp>
-        <p:nvSpPr>
-          <p:cNvPr id="27" name="TextBox 26">
-            <a:extLst>
-              <a:ext uri="{FF2B5EF4-FFF2-40B4-BE49-F238E27FC236}">
-                <a16:creationId xmlns:a16="http://schemas.microsoft.com/office/drawing/2014/main" id="{CEF7DB30-561B-F044-9662-E6F8A55EAD0E}"/>
-              </a:ext>
-            </a:extLst>
-          </p:cNvPr>
-          <p:cNvSpPr txBox="1"/>
-          <p:nvPr/>
-        </p:nvSpPr>
-        <p:spPr>
-          <a:xfrm>
-            <a:off x="7016496" y="2669943"/>
-            <a:ext cx="3054095" cy="1384995"/>
-          </a:xfrm>
-          <a:prstGeom prst="rect">
-            <a:avLst/>
-          </a:prstGeom>
-          <a:noFill/>
-          <a:ln>
-            <a:noFill/>
-          </a:ln>
-        </p:spPr>
-        <p:txBody>
-          <a:bodyPr wrap="square" rtlCol="0">
-            <a:spAutoFit/>
-          </a:bodyPr>
-          <a:lstStyle/>
-          <a:p>
-            <a:r>
-              <a:rPr lang="en-US" sz="1400" dirty="0">
-                <a:latin typeface="Avenir Book" panose="02000503020000020003" pitchFamily="2" charset="0"/>
-              </a:rPr>
-              <a:t>Lumped parameters</a:t>
-            </a:r>
-          </a:p>
-          <a:p>
-            <a:endParaRPr lang="en-US" sz="1400" dirty="0">
-              <a:latin typeface="Avenir Book" panose="02000503020000020003" pitchFamily="2" charset="0"/>
-            </a:endParaRPr>
-          </a:p>
-          <a:p>
-            <a:r>
-              <a:rPr lang="en-US" sz="1400" dirty="0">
-                <a:latin typeface="Avenir Book" panose="02000503020000020003" pitchFamily="2" charset="0"/>
-              </a:rPr>
-              <a:t>Extracted from experimental data</a:t>
-            </a:r>
-          </a:p>
-          <a:p>
-            <a:endParaRPr lang="en-US" sz="1400" dirty="0">
-              <a:latin typeface="Avenir Book" panose="02000503020000020003" pitchFamily="2" charset="0"/>
-            </a:endParaRPr>
-          </a:p>
-          <a:p>
-            <a:r>
-              <a:rPr lang="en-US" sz="1400" dirty="0">
-                <a:latin typeface="Avenir Book" panose="02000503020000020003" pitchFamily="2" charset="0"/>
-              </a:rPr>
-              <a:t>Effective relations to help argue values of reduced model</a:t>
-            </a:r>
-          </a:p>
-        </p:txBody>
-      </p:sp>
+              </a:endParaRPr>
+            </a:p>
+            <a:p>
+              <a:r>
+                <a:rPr lang="en-US" sz="1400" dirty="0">
+                  <a:latin typeface="Avenir Book" panose="02000503020000020003" pitchFamily="2" charset="0"/>
+                </a:rPr>
+                <a:t>Effective relations to help argue values of reduced model</a:t>
+              </a:r>
+            </a:p>
+          </p:txBody>
+        </p:sp>
+      </p:grpSp>
     </p:spTree>
     <p:extLst>
       <p:ext uri="{BB962C8B-B14F-4D97-AF65-F5344CB8AC3E}">
@@ -28967,313 +28988,6 @@
   <p:clrMapOvr>
     <a:masterClrMapping/>
   </p:clrMapOvr>
-  <p:timing>
-    <p:tnLst>
-      <p:par>
-        <p:cTn id="1" dur="indefinite" restart="never" nodeType="tmRoot">
-          <p:childTnLst>
-            <p:seq concurrent="1" nextAc="seek">
-              <p:cTn id="2" dur="indefinite" nodeType="mainSeq">
-                <p:childTnLst>
-                  <p:par>
-                    <p:cTn id="3" fill="hold">
-                      <p:stCondLst>
-                        <p:cond delay="indefinite"/>
-                      </p:stCondLst>
-                      <p:childTnLst>
-                        <p:par>
-                          <p:cTn id="4" fill="hold">
-                            <p:stCondLst>
-                              <p:cond delay="0"/>
-                            </p:stCondLst>
-                            <p:childTnLst>
-                              <p:par>
-                                <p:cTn id="5" presetID="1" presetClass="entr" presetSubtype="0" fill="hold" nodeType="clickEffect">
-                                  <p:stCondLst>
-                                    <p:cond delay="0"/>
-                                  </p:stCondLst>
-                                  <p:childTnLst>
-                                    <p:set>
-                                      <p:cBhvr>
-                                        <p:cTn id="6" dur="1" fill="hold">
-                                          <p:stCondLst>
-                                            <p:cond delay="0"/>
-                                          </p:stCondLst>
-                                        </p:cTn>
-                                        <p:tgtEl>
-                                          <p:spTgt spid="19"/>
-                                        </p:tgtEl>
-                                        <p:attrNameLst>
-                                          <p:attrName>style.visibility</p:attrName>
-                                        </p:attrNameLst>
-                                      </p:cBhvr>
-                                      <p:to>
-                                        <p:strVal val="visible"/>
-                                      </p:to>
-                                    </p:set>
-                                  </p:childTnLst>
-                                </p:cTn>
-                              </p:par>
-                              <p:par>
-                                <p:cTn id="7" presetID="1" presetClass="entr" presetSubtype="0" fill="hold" grpId="0" nodeType="withEffect">
-                                  <p:stCondLst>
-                                    <p:cond delay="0"/>
-                                  </p:stCondLst>
-                                  <p:childTnLst>
-                                    <p:set>
-                                      <p:cBhvr>
-                                        <p:cTn id="8" dur="1" fill="hold">
-                                          <p:stCondLst>
-                                            <p:cond delay="0"/>
-                                          </p:stCondLst>
-                                        </p:cTn>
-                                        <p:tgtEl>
-                                          <p:spTgt spid="4"/>
-                                        </p:tgtEl>
-                                        <p:attrNameLst>
-                                          <p:attrName>style.visibility</p:attrName>
-                                        </p:attrNameLst>
-                                      </p:cBhvr>
-                                      <p:to>
-                                        <p:strVal val="visible"/>
-                                      </p:to>
-                                    </p:set>
-                                  </p:childTnLst>
-                                </p:cTn>
-                              </p:par>
-                              <p:par>
-                                <p:cTn id="9" presetID="1" presetClass="entr" presetSubtype="0" fill="hold" grpId="0" nodeType="withEffect">
-                                  <p:stCondLst>
-                                    <p:cond delay="0"/>
-                                  </p:stCondLst>
-                                  <p:childTnLst>
-                                    <p:set>
-                                      <p:cBhvr>
-                                        <p:cTn id="10" dur="1" fill="hold">
-                                          <p:stCondLst>
-                                            <p:cond delay="0"/>
-                                          </p:stCondLst>
-                                        </p:cTn>
-                                        <p:tgtEl>
-                                          <p:spTgt spid="12"/>
-                                        </p:tgtEl>
-                                        <p:attrNameLst>
-                                          <p:attrName>style.visibility</p:attrName>
-                                        </p:attrNameLst>
-                                      </p:cBhvr>
-                                      <p:to>
-                                        <p:strVal val="visible"/>
-                                      </p:to>
-                                    </p:set>
-                                  </p:childTnLst>
-                                </p:cTn>
-                              </p:par>
-                            </p:childTnLst>
-                          </p:cTn>
-                        </p:par>
-                      </p:childTnLst>
-                    </p:cTn>
-                  </p:par>
-                  <p:par>
-                    <p:cTn id="11" fill="hold">
-                      <p:stCondLst>
-                        <p:cond delay="indefinite"/>
-                      </p:stCondLst>
-                      <p:childTnLst>
-                        <p:par>
-                          <p:cTn id="12" fill="hold">
-                            <p:stCondLst>
-                              <p:cond delay="0"/>
-                            </p:stCondLst>
-                            <p:childTnLst>
-                              <p:par>
-                                <p:cTn id="13" presetID="1" presetClass="entr" presetSubtype="0" fill="hold" grpId="0" nodeType="clickEffect">
-                                  <p:stCondLst>
-                                    <p:cond delay="0"/>
-                                  </p:stCondLst>
-                                  <p:childTnLst>
-                                    <p:set>
-                                      <p:cBhvr>
-                                        <p:cTn id="14" dur="1" fill="hold">
-                                          <p:stCondLst>
-                                            <p:cond delay="0"/>
-                                          </p:stCondLst>
-                                        </p:cTn>
-                                        <p:tgtEl>
-                                          <p:spTgt spid="11"/>
-                                        </p:tgtEl>
-                                        <p:attrNameLst>
-                                          <p:attrName>style.visibility</p:attrName>
-                                        </p:attrNameLst>
-                                      </p:cBhvr>
-                                      <p:to>
-                                        <p:strVal val="visible"/>
-                                      </p:to>
-                                    </p:set>
-                                  </p:childTnLst>
-                                </p:cTn>
-                              </p:par>
-                            </p:childTnLst>
-                          </p:cTn>
-                        </p:par>
-                      </p:childTnLst>
-                    </p:cTn>
-                  </p:par>
-                  <p:par>
-                    <p:cTn id="15" fill="hold">
-                      <p:stCondLst>
-                        <p:cond delay="indefinite"/>
-                      </p:stCondLst>
-                      <p:childTnLst>
-                        <p:par>
-                          <p:cTn id="16" fill="hold">
-                            <p:stCondLst>
-                              <p:cond delay="0"/>
-                            </p:stCondLst>
-                            <p:childTnLst>
-                              <p:par>
-                                <p:cTn id="17" presetID="1" presetClass="entr" presetSubtype="0" fill="hold" nodeType="clickEffect">
-                                  <p:stCondLst>
-                                    <p:cond delay="0"/>
-                                  </p:stCondLst>
-                                  <p:childTnLst>
-                                    <p:set>
-                                      <p:cBhvr>
-                                        <p:cTn id="18" dur="1" fill="hold">
-                                          <p:stCondLst>
-                                            <p:cond delay="0"/>
-                                          </p:stCondLst>
-                                        </p:cTn>
-                                        <p:tgtEl>
-                                          <p:spTgt spid="21"/>
-                                        </p:tgtEl>
-                                        <p:attrNameLst>
-                                          <p:attrName>style.visibility</p:attrName>
-                                        </p:attrNameLst>
-                                      </p:cBhvr>
-                                      <p:to>
-                                        <p:strVal val="visible"/>
-                                      </p:to>
-                                    </p:set>
-                                  </p:childTnLst>
-                                </p:cTn>
-                              </p:par>
-                              <p:par>
-                                <p:cTn id="19" presetID="1" presetClass="entr" presetSubtype="0" fill="hold" grpId="0" nodeType="withEffect">
-                                  <p:stCondLst>
-                                    <p:cond delay="0"/>
-                                  </p:stCondLst>
-                                  <p:childTnLst>
-                                    <p:set>
-                                      <p:cBhvr>
-                                        <p:cTn id="20" dur="1" fill="hold">
-                                          <p:stCondLst>
-                                            <p:cond delay="0"/>
-                                          </p:stCondLst>
-                                        </p:cTn>
-                                        <p:tgtEl>
-                                          <p:spTgt spid="14"/>
-                                        </p:tgtEl>
-                                        <p:attrNameLst>
-                                          <p:attrName>style.visibility</p:attrName>
-                                        </p:attrNameLst>
-                                      </p:cBhvr>
-                                      <p:to>
-                                        <p:strVal val="visible"/>
-                                      </p:to>
-                                    </p:set>
-                                  </p:childTnLst>
-                                </p:cTn>
-                              </p:par>
-                              <p:par>
-                                <p:cTn id="21" presetID="1" presetClass="entr" presetSubtype="0" fill="hold" grpId="0" nodeType="withEffect">
-                                  <p:stCondLst>
-                                    <p:cond delay="0"/>
-                                  </p:stCondLst>
-                                  <p:childTnLst>
-                                    <p:set>
-                                      <p:cBhvr>
-                                        <p:cTn id="22" dur="1" fill="hold">
-                                          <p:stCondLst>
-                                            <p:cond delay="0"/>
-                                          </p:stCondLst>
-                                        </p:cTn>
-                                        <p:tgtEl>
-                                          <p:spTgt spid="27"/>
-                                        </p:tgtEl>
-                                        <p:attrNameLst>
-                                          <p:attrName>style.visibility</p:attrName>
-                                        </p:attrNameLst>
-                                      </p:cBhvr>
-                                      <p:to>
-                                        <p:strVal val="visible"/>
-                                      </p:to>
-                                    </p:set>
-                                  </p:childTnLst>
-                                </p:cTn>
-                              </p:par>
-                              <p:par>
-                                <p:cTn id="23" presetID="1" presetClass="entr" presetSubtype="0" fill="hold" nodeType="withEffect">
-                                  <p:stCondLst>
-                                    <p:cond delay="0"/>
-                                  </p:stCondLst>
-                                  <p:childTnLst>
-                                    <p:set>
-                                      <p:cBhvr>
-                                        <p:cTn id="24" dur="1" fill="hold">
-                                          <p:stCondLst>
-                                            <p:cond delay="0"/>
-                                          </p:stCondLst>
-                                        </p:cTn>
-                                        <p:tgtEl>
-                                          <p:spTgt spid="24"/>
-                                        </p:tgtEl>
-                                        <p:attrNameLst>
-                                          <p:attrName>style.visibility</p:attrName>
-                                        </p:attrNameLst>
-                                      </p:cBhvr>
-                                      <p:to>
-                                        <p:strVal val="visible"/>
-                                      </p:to>
-                                    </p:set>
-                                  </p:childTnLst>
-                                </p:cTn>
-                              </p:par>
-                            </p:childTnLst>
-                          </p:cTn>
-                        </p:par>
-                      </p:childTnLst>
-                    </p:cTn>
-                  </p:par>
-                </p:childTnLst>
-              </p:cTn>
-              <p:prevCondLst>
-                <p:cond evt="onPrev" delay="0">
-                  <p:tgtEl>
-                    <p:sldTgt/>
-                  </p:tgtEl>
-                </p:cond>
-              </p:prevCondLst>
-              <p:nextCondLst>
-                <p:cond evt="onNext" delay="0">
-                  <p:tgtEl>
-                    <p:sldTgt/>
-                  </p:tgtEl>
-                </p:cond>
-              </p:nextCondLst>
-            </p:seq>
-          </p:childTnLst>
-        </p:cTn>
-      </p:par>
-    </p:tnLst>
-    <p:bldLst>
-      <p:bldP spid="4" grpId="0" animBg="1"/>
-      <p:bldP spid="11" grpId="0"/>
-      <p:bldP spid="12" grpId="0"/>
-      <p:bldP spid="14" grpId="0" animBg="1"/>
-      <p:bldP spid="27" grpId="0"/>
-    </p:bldLst>
-  </p:timing>
 </p:sld>
 </file>
 
@@ -29508,8 +29222,8 @@
           </a:p>
         </p:txBody>
       </p:sp>
-      <mc:AlternateContent xmlns:mc="http://schemas.openxmlformats.org/markup-compatibility/2006">
-        <mc:Choice xmlns:a14="http://schemas.microsoft.com/office/drawing/2010/main" Requires="a14">
+      <mc:AlternateContent xmlns:mc="http://schemas.openxmlformats.org/markup-compatibility/2006" xmlns:a14="http://schemas.microsoft.com/office/drawing/2010/main">
+        <mc:Choice Requires="a14">
           <p:sp>
             <p:nvSpPr>
               <p:cNvPr id="18" name="TextBox 17">
@@ -29538,6 +29252,7 @@
               </a:bodyPr>
               <a:lstStyle/>
               <a:p>
+                <a:pPr/>
                 <a14:m>
                   <m:oMathPara xmlns:m="http://schemas.openxmlformats.org/officeDocument/2006/math">
                     <m:oMathParaPr>
@@ -29645,7 +29360,7 @@
             </p:txBody>
           </p:sp>
         </mc:Choice>
-        <mc:Fallback>
+        <mc:Fallback xmlns="">
           <p:sp>
             <p:nvSpPr>
               <p:cNvPr id="18" name="TextBox 17">
@@ -29690,8 +29405,8 @@
           </p:sp>
         </mc:Fallback>
       </mc:AlternateContent>
-      <mc:AlternateContent xmlns:mc="http://schemas.openxmlformats.org/markup-compatibility/2006">
-        <mc:Choice xmlns:a14="http://schemas.microsoft.com/office/drawing/2010/main" Requires="a14">
+      <mc:AlternateContent xmlns:mc="http://schemas.openxmlformats.org/markup-compatibility/2006" xmlns:a14="http://schemas.microsoft.com/office/drawing/2010/main">
+        <mc:Choice Requires="a14">
           <p:sp>
             <p:nvSpPr>
               <p:cNvPr id="29" name="TextBox 28">
@@ -29720,6 +29435,7 @@
               </a:bodyPr>
               <a:lstStyle/>
               <a:p>
+                <a:pPr/>
                 <a14:m>
                   <m:oMathPara xmlns:m="http://schemas.openxmlformats.org/officeDocument/2006/math">
                     <m:oMathParaPr>
@@ -29827,7 +29543,7 @@
             </p:txBody>
           </p:sp>
         </mc:Choice>
-        <mc:Fallback>
+        <mc:Fallback xmlns="">
           <p:sp>
             <p:nvSpPr>
               <p:cNvPr id="29" name="TextBox 28">

--- a/miscellaneous/pre_github/ppts/20200624_syncell_mtg.pptx
+++ b/miscellaneous/pre_github/ppts/20200624_syncell_mtg.pptx
@@ -12412,7 +12412,7 @@
           <a:p>
             <a:fld id="{627051C2-6849-C64A-A2A5-BAF380D08103}" type="datetimeFigureOut">
               <a:rPr lang="en-US" smtClean="0"/>
-              <a:t>7/2/20</a:t>
+              <a:t>7/10/20</a:t>
             </a:fld>
             <a:endParaRPr lang="en-US"/>
           </a:p>
@@ -14668,7 +14668,7 @@
           <a:p>
             <a:fld id="{3B3400CD-7287-EA41-97B8-6C373A830532}" type="datetimeFigureOut">
               <a:rPr lang="en-US" smtClean="0"/>
-              <a:t>7/2/20</a:t>
+              <a:t>7/10/20</a:t>
             </a:fld>
             <a:endParaRPr lang="en-US"/>
           </a:p>
@@ -14866,7 +14866,7 @@
           <a:p>
             <a:fld id="{3B3400CD-7287-EA41-97B8-6C373A830532}" type="datetimeFigureOut">
               <a:rPr lang="en-US" smtClean="0"/>
-              <a:t>7/2/20</a:t>
+              <a:t>7/10/20</a:t>
             </a:fld>
             <a:endParaRPr lang="en-US"/>
           </a:p>
@@ -15074,7 +15074,7 @@
           <a:p>
             <a:fld id="{3B3400CD-7287-EA41-97B8-6C373A830532}" type="datetimeFigureOut">
               <a:rPr lang="en-US" smtClean="0"/>
-              <a:t>7/2/20</a:t>
+              <a:t>7/10/20</a:t>
             </a:fld>
             <a:endParaRPr lang="en-US"/>
           </a:p>
@@ -15274,7 +15274,7 @@
           <a:p>
             <a:fld id="{3B3400CD-7287-EA41-97B8-6C373A830532}" type="datetimeFigureOut">
               <a:rPr lang="en-US" smtClean="0"/>
-              <a:t>7/2/20</a:t>
+              <a:t>7/10/20</a:t>
             </a:fld>
             <a:endParaRPr lang="en-US"/>
           </a:p>
@@ -15549,7 +15549,7 @@
           <a:p>
             <a:fld id="{3B3400CD-7287-EA41-97B8-6C373A830532}" type="datetimeFigureOut">
               <a:rPr lang="en-US" smtClean="0"/>
-              <a:t>7/2/20</a:t>
+              <a:t>7/10/20</a:t>
             </a:fld>
             <a:endParaRPr lang="en-US"/>
           </a:p>
@@ -15814,7 +15814,7 @@
           <a:p>
             <a:fld id="{3B3400CD-7287-EA41-97B8-6C373A830532}" type="datetimeFigureOut">
               <a:rPr lang="en-US" smtClean="0"/>
-              <a:t>7/2/20</a:t>
+              <a:t>7/10/20</a:t>
             </a:fld>
             <a:endParaRPr lang="en-US"/>
           </a:p>
@@ -16226,7 +16226,7 @@
           <a:p>
             <a:fld id="{3B3400CD-7287-EA41-97B8-6C373A830532}" type="datetimeFigureOut">
               <a:rPr lang="en-US" smtClean="0"/>
-              <a:t>7/2/20</a:t>
+              <a:t>7/10/20</a:t>
             </a:fld>
             <a:endParaRPr lang="en-US"/>
           </a:p>
@@ -16367,7 +16367,7 @@
           <a:p>
             <a:fld id="{3B3400CD-7287-EA41-97B8-6C373A830532}" type="datetimeFigureOut">
               <a:rPr lang="en-US" smtClean="0"/>
-              <a:t>7/2/20</a:t>
+              <a:t>7/10/20</a:t>
             </a:fld>
             <a:endParaRPr lang="en-US"/>
           </a:p>
@@ -16480,7 +16480,7 @@
           <a:p>
             <a:fld id="{3B3400CD-7287-EA41-97B8-6C373A830532}" type="datetimeFigureOut">
               <a:rPr lang="en-US" smtClean="0"/>
-              <a:t>7/2/20</a:t>
+              <a:t>7/10/20</a:t>
             </a:fld>
             <a:endParaRPr lang="en-US"/>
           </a:p>
@@ -16791,7 +16791,7 @@
           <a:p>
             <a:fld id="{3B3400CD-7287-EA41-97B8-6C373A830532}" type="datetimeFigureOut">
               <a:rPr lang="en-US" smtClean="0"/>
-              <a:t>7/2/20</a:t>
+              <a:t>7/10/20</a:t>
             </a:fld>
             <a:endParaRPr lang="en-US"/>
           </a:p>
@@ -17082,7 +17082,7 @@
           <a:p>
             <a:fld id="{3B3400CD-7287-EA41-97B8-6C373A830532}" type="datetimeFigureOut">
               <a:rPr lang="en-US" smtClean="0"/>
-              <a:t>7/2/20</a:t>
+              <a:t>7/10/20</a:t>
             </a:fld>
             <a:endParaRPr lang="en-US"/>
           </a:p>
@@ -17325,7 +17325,7 @@
           <a:p>
             <a:fld id="{3B3400CD-7287-EA41-97B8-6C373A830532}" type="datetimeFigureOut">
               <a:rPr lang="en-US" smtClean="0"/>
-              <a:t>7/2/20</a:t>
+              <a:t>7/10/20</a:t>
             </a:fld>
             <a:endParaRPr lang="en-US"/>
           </a:p>
@@ -28978,6 +28978,36 @@
           </p:txBody>
         </p:sp>
       </p:grpSp>
+      <p:pic>
+        <p:nvPicPr>
+          <p:cNvPr id="13" name="Picture 12" descr="A picture containing drawing&#10;&#10;Description automatically generated">
+            <a:extLst>
+              <a:ext uri="{FF2B5EF4-FFF2-40B4-BE49-F238E27FC236}">
+                <a16:creationId xmlns:a16="http://schemas.microsoft.com/office/drawing/2014/main" id="{1A47DA00-52D3-AE49-BD1D-5F57BDCE0065}"/>
+              </a:ext>
+            </a:extLst>
+          </p:cNvPr>
+          <p:cNvPicPr>
+            <a:picLocks noChangeAspect="1"/>
+          </p:cNvPicPr>
+          <p:nvPr/>
+        </p:nvPicPr>
+        <p:blipFill>
+          <a:blip r:embed="rId3"/>
+          <a:stretch>
+            <a:fillRect/>
+          </a:stretch>
+        </p:blipFill>
+        <p:spPr>
+          <a:xfrm>
+            <a:off x="11117119" y="6514803"/>
+            <a:ext cx="1074881" cy="343197"/>
+          </a:xfrm>
+          <a:prstGeom prst="rect">
+            <a:avLst/>
+          </a:prstGeom>
+        </p:spPr>
+      </p:pic>
     </p:spTree>
     <p:extLst>
       <p:ext uri="{BB962C8B-B14F-4D97-AF65-F5344CB8AC3E}">
@@ -31895,12 +31925,66 @@
           </a:fontRef>
         </p:style>
       </p:cxnSp>
+      <p:sp>
+        <p:nvSpPr>
+          <p:cNvPr id="39" name="Title 1">
+            <a:extLst>
+              <a:ext uri="{FF2B5EF4-FFF2-40B4-BE49-F238E27FC236}">
+                <a16:creationId xmlns:a16="http://schemas.microsoft.com/office/drawing/2014/main" id="{F461FDDB-734C-6847-8866-C804219087D1}"/>
+              </a:ext>
+            </a:extLst>
+          </p:cNvPr>
+          <p:cNvSpPr txBox="1">
+            <a:spLocks/>
+          </p:cNvSpPr>
+          <p:nvPr/>
+        </p:nvSpPr>
+        <p:spPr>
+          <a:xfrm>
+            <a:off x="6327496" y="362377"/>
+            <a:ext cx="5327883" cy="1099094"/>
+          </a:xfrm>
+          <a:prstGeom prst="rect">
+            <a:avLst/>
+          </a:prstGeom>
+        </p:spPr>
+        <p:txBody>
+          <a:bodyPr vert="horz" lIns="91440" tIns="45720" rIns="91440" bIns="45720" rtlCol="0" anchor="ctr">
+            <a:normAutofit/>
+          </a:bodyPr>
+          <a:lstStyle>
+            <a:lvl1pPr algn="l" defTabSz="914400" rtl="0" eaLnBrk="1" latinLnBrk="0" hangingPunct="1">
+              <a:lnSpc>
+                <a:spcPct val="90000"/>
+              </a:lnSpc>
+              <a:spcBef>
+                <a:spcPct val="0"/>
+              </a:spcBef>
+              <a:buNone/>
+              <a:defRPr sz="4400" kern="1200">
+                <a:solidFill>
+                  <a:schemeClr val="tx1"/>
+                </a:solidFill>
+                <a:latin typeface="Avenir Book" panose="02000503020000020003" pitchFamily="2" charset="0"/>
+                <a:ea typeface="+mj-ea"/>
+                <a:cs typeface="+mj-cs"/>
+              </a:defRPr>
+            </a:lvl1pPr>
+          </a:lstStyle>
+          <a:p>
+            <a:r>
+              <a:rPr lang="en-US" dirty="0"/>
+              <a:t>ATP Synthase Model</a:t>
+            </a:r>
+          </a:p>
+        </p:txBody>
+      </p:sp>
       <p:grpSp>
         <p:nvGrpSpPr>
-          <p:cNvPr id="60" name="Group 59">
+          <p:cNvPr id="10" name="Group 9">
             <a:extLst>
               <a:ext uri="{FF2B5EF4-FFF2-40B4-BE49-F238E27FC236}">
-                <a16:creationId xmlns:a16="http://schemas.microsoft.com/office/drawing/2014/main" id="{03BC1C91-B488-474B-8F39-5440EBD12300}"/>
+                <a16:creationId xmlns:a16="http://schemas.microsoft.com/office/drawing/2014/main" id="{0A1C0393-F1BD-0B43-8939-A79AA2D05FF9}"/>
               </a:ext>
             </a:extLst>
           </p:cNvPr>
@@ -31909,66 +31993,12 @@
         </p:nvGrpSpPr>
         <p:grpSpPr>
           <a:xfrm>
-            <a:off x="6327496" y="362377"/>
-            <a:ext cx="5327883" cy="5059753"/>
-            <a:chOff x="6327496" y="362377"/>
-            <a:chExt cx="5327883" cy="5059753"/>
+            <a:off x="7276937" y="1782646"/>
+            <a:ext cx="3790856" cy="3639484"/>
+            <a:chOff x="7276937" y="1782646"/>
+            <a:chExt cx="3790856" cy="3639484"/>
           </a:xfrm>
         </p:grpSpPr>
-        <p:sp>
-          <p:nvSpPr>
-            <p:cNvPr id="39" name="Title 1">
-              <a:extLst>
-                <a:ext uri="{FF2B5EF4-FFF2-40B4-BE49-F238E27FC236}">
-                  <a16:creationId xmlns:a16="http://schemas.microsoft.com/office/drawing/2014/main" id="{F461FDDB-734C-6847-8866-C804219087D1}"/>
-                </a:ext>
-              </a:extLst>
-            </p:cNvPr>
-            <p:cNvSpPr txBox="1">
-              <a:spLocks/>
-            </p:cNvSpPr>
-            <p:nvPr/>
-          </p:nvSpPr>
-          <p:spPr>
-            <a:xfrm>
-              <a:off x="6327496" y="362377"/>
-              <a:ext cx="5327883" cy="1099094"/>
-            </a:xfrm>
-            <a:prstGeom prst="rect">
-              <a:avLst/>
-            </a:prstGeom>
-          </p:spPr>
-          <p:txBody>
-            <a:bodyPr vert="horz" lIns="91440" tIns="45720" rIns="91440" bIns="45720" rtlCol="0" anchor="ctr">
-              <a:normAutofit/>
-            </a:bodyPr>
-            <a:lstStyle>
-              <a:lvl1pPr algn="l" defTabSz="914400" rtl="0" eaLnBrk="1" latinLnBrk="0" hangingPunct="1">
-                <a:lnSpc>
-                  <a:spcPct val="90000"/>
-                </a:lnSpc>
-                <a:spcBef>
-                  <a:spcPct val="0"/>
-                </a:spcBef>
-                <a:buNone/>
-                <a:defRPr sz="4400" kern="1200">
-                  <a:solidFill>
-                    <a:schemeClr val="tx1"/>
-                  </a:solidFill>
-                  <a:latin typeface="Avenir Book" panose="02000503020000020003" pitchFamily="2" charset="0"/>
-                  <a:ea typeface="+mj-ea"/>
-                  <a:cs typeface="+mj-cs"/>
-                </a:defRPr>
-              </a:lvl1pPr>
-            </a:lstStyle>
-            <a:p>
-              <a:r>
-                <a:rPr lang="en-US" dirty="0"/>
-                <a:t>ATP Synthase Model</a:t>
-              </a:r>
-            </a:p>
-          </p:txBody>
-        </p:sp>
         <p:sp>
           <p:nvSpPr>
             <p:cNvPr id="23" name="Oval 22">
@@ -32371,7 +32401,7 @@
             <p:nvPr>
               <p:extLst>
                 <p:ext uri="{D42A27DB-BD31-4B8C-83A1-F6EECF244321}">
-                  <p14:modId xmlns:p14="http://schemas.microsoft.com/office/powerpoint/2010/main" val="1345890775"/>
+                  <p14:modId xmlns:p14="http://schemas.microsoft.com/office/powerpoint/2010/main" val="1479253067"/>
                 </p:ext>
               </p:extLst>
             </p:nvPr>
@@ -32520,81 +32550,6 @@
   <p:clrMapOvr>
     <a:masterClrMapping/>
   </p:clrMapOvr>
-  <p:timing>
-    <p:tnLst>
-      <p:par>
-        <p:cTn id="1" dur="indefinite" restart="never" nodeType="tmRoot">
-          <p:childTnLst>
-            <p:seq concurrent="1" nextAc="seek">
-              <p:cTn id="2" dur="indefinite" nodeType="mainSeq">
-                <p:childTnLst>
-                  <p:par>
-                    <p:cTn id="3" fill="hold">
-                      <p:stCondLst>
-                        <p:cond delay="indefinite"/>
-                      </p:stCondLst>
-                      <p:childTnLst>
-                        <p:par>
-                          <p:cTn id="4" fill="hold">
-                            <p:stCondLst>
-                              <p:cond delay="0"/>
-                            </p:stCondLst>
-                            <p:childTnLst>
-                              <p:par>
-                                <p:cTn id="5" presetID="1" presetClass="entr" presetSubtype="0" fill="hold" nodeType="clickEffect">
-                                  <p:stCondLst>
-                                    <p:cond delay="0"/>
-                                  </p:stCondLst>
-                                  <p:childTnLst>
-                                    <p:set>
-                                      <p:cBhvr>
-                                        <p:cTn id="6" dur="1" fill="hold">
-                                          <p:stCondLst>
-                                            <p:cond delay="0"/>
-                                          </p:stCondLst>
-                                        </p:cTn>
-                                        <p:tgtEl>
-                                          <p:spTgt spid="60"/>
-                                        </p:tgtEl>
-                                        <p:attrNameLst>
-                                          <p:attrName>style.visibility</p:attrName>
-                                        </p:attrNameLst>
-                                      </p:cBhvr>
-                                      <p:to>
-                                        <p:strVal val="visible"/>
-                                      </p:to>
-                                    </p:set>
-                                  </p:childTnLst>
-                                </p:cTn>
-                              </p:par>
-                            </p:childTnLst>
-                          </p:cTn>
-                        </p:par>
-                      </p:childTnLst>
-                    </p:cTn>
-                  </p:par>
-                </p:childTnLst>
-              </p:cTn>
-              <p:prevCondLst>
-                <p:cond evt="onPrev" delay="0">
-                  <p:tgtEl>
-                    <p:sldTgt/>
-                  </p:tgtEl>
-                </p:cond>
-              </p:prevCondLst>
-              <p:nextCondLst>
-                <p:cond evt="onNext" delay="0">
-                  <p:tgtEl>
-                    <p:sldTgt/>
-                  </p:tgtEl>
-                </p:cond>
-              </p:nextCondLst>
-            </p:seq>
-          </p:childTnLst>
-        </p:cTn>
-      </p:par>
-    </p:tnLst>
-  </p:timing>
 </p:sld>
 </file>
 
@@ -33944,23 +33899,6 @@
             <a:r>
               <a:rPr lang="en-US" dirty="0"/>
               <a:t> Pandey</a:t>
-            </a:r>
-          </a:p>
-          <a:p>
-            <a:r>
-              <a:rPr lang="en-US" dirty="0"/>
-              <a:t>John </a:t>
-            </a:r>
-            <a:r>
-              <a:rPr lang="en-US" dirty="0" err="1"/>
-              <a:t>Marken</a:t>
-            </a:r>
-            <a:endParaRPr lang="en-US" dirty="0"/>
-          </a:p>
-          <a:p>
-            <a:r>
-              <a:rPr lang="en-US" dirty="0"/>
-              <a:t>Chelsea Hu</a:t>
             </a:r>
           </a:p>
           <a:p>
